--- a/Осторожно хрупкое.pptx
+++ b/Осторожно хрупкое.pptx
@@ -6,6 +6,8 @@
   </p:sldMasterIdLst>
   <p:sldIdLst>
     <p:sldId id="256" r:id="rId2"/>
+    <p:sldId id="257" r:id="rId3"/>
+    <p:sldId id="258" r:id="rId4"/>
   </p:sldIdLst>
   <p:sldSz cx="12192000" cy="6858000"/>
   <p:notesSz cx="6797675" cy="9928225"/>
@@ -104,6 +106,11 @@
       </a:defRPr>
     </a:lvl9pPr>
   </p:defaultTextStyle>
+  <p:extLst>
+    <p:ext uri="{EFAFB233-063F-42B5-8137-9DF3F51BA10A}">
+      <p15:sldGuideLst xmlns:p15="http://schemas.microsoft.com/office/powerpoint/2012/main"/>
+    </p:ext>
+  </p:extLst>
 </p:presentation>
 </file>
 
@@ -238,7 +245,7 @@
           <a:p>
             <a:fld id="{C9D8727E-1658-4871-8506-A3F80A891CE4}" type="datetimeFigureOut">
               <a:rPr lang="ru-RU" smtClean="0"/>
-              <a:t>12.07.2018</a:t>
+              <a:t>24.07.2018</a:t>
             </a:fld>
             <a:endParaRPr lang="ru-RU"/>
           </a:p>
@@ -408,7 +415,7 @@
           <a:p>
             <a:fld id="{C9D8727E-1658-4871-8506-A3F80A891CE4}" type="datetimeFigureOut">
               <a:rPr lang="ru-RU" smtClean="0"/>
-              <a:t>12.07.2018</a:t>
+              <a:t>24.07.2018</a:t>
             </a:fld>
             <a:endParaRPr lang="ru-RU"/>
           </a:p>
@@ -588,7 +595,7 @@
           <a:p>
             <a:fld id="{C9D8727E-1658-4871-8506-A3F80A891CE4}" type="datetimeFigureOut">
               <a:rPr lang="ru-RU" smtClean="0"/>
-              <a:t>12.07.2018</a:t>
+              <a:t>24.07.2018</a:t>
             </a:fld>
             <a:endParaRPr lang="ru-RU"/>
           </a:p>
@@ -758,7 +765,7 @@
           <a:p>
             <a:fld id="{C9D8727E-1658-4871-8506-A3F80A891CE4}" type="datetimeFigureOut">
               <a:rPr lang="ru-RU" smtClean="0"/>
-              <a:t>12.07.2018</a:t>
+              <a:t>24.07.2018</a:t>
             </a:fld>
             <a:endParaRPr lang="ru-RU"/>
           </a:p>
@@ -1004,7 +1011,7 @@
           <a:p>
             <a:fld id="{C9D8727E-1658-4871-8506-A3F80A891CE4}" type="datetimeFigureOut">
               <a:rPr lang="ru-RU" smtClean="0"/>
-              <a:t>12.07.2018</a:t>
+              <a:t>24.07.2018</a:t>
             </a:fld>
             <a:endParaRPr lang="ru-RU"/>
           </a:p>
@@ -1236,7 +1243,7 @@
           <a:p>
             <a:fld id="{C9D8727E-1658-4871-8506-A3F80A891CE4}" type="datetimeFigureOut">
               <a:rPr lang="ru-RU" smtClean="0"/>
-              <a:t>12.07.2018</a:t>
+              <a:t>24.07.2018</a:t>
             </a:fld>
             <a:endParaRPr lang="ru-RU"/>
           </a:p>
@@ -1603,7 +1610,7 @@
           <a:p>
             <a:fld id="{C9D8727E-1658-4871-8506-A3F80A891CE4}" type="datetimeFigureOut">
               <a:rPr lang="ru-RU" smtClean="0"/>
-              <a:t>12.07.2018</a:t>
+              <a:t>24.07.2018</a:t>
             </a:fld>
             <a:endParaRPr lang="ru-RU"/>
           </a:p>
@@ -1721,7 +1728,7 @@
           <a:p>
             <a:fld id="{C9D8727E-1658-4871-8506-A3F80A891CE4}" type="datetimeFigureOut">
               <a:rPr lang="ru-RU" smtClean="0"/>
-              <a:t>12.07.2018</a:t>
+              <a:t>24.07.2018</a:t>
             </a:fld>
             <a:endParaRPr lang="ru-RU"/>
           </a:p>
@@ -1816,7 +1823,7 @@
           <a:p>
             <a:fld id="{C9D8727E-1658-4871-8506-A3F80A891CE4}" type="datetimeFigureOut">
               <a:rPr lang="ru-RU" smtClean="0"/>
-              <a:t>12.07.2018</a:t>
+              <a:t>24.07.2018</a:t>
             </a:fld>
             <a:endParaRPr lang="ru-RU"/>
           </a:p>
@@ -2093,7 +2100,7 @@
           <a:p>
             <a:fld id="{C9D8727E-1658-4871-8506-A3F80A891CE4}" type="datetimeFigureOut">
               <a:rPr lang="ru-RU" smtClean="0"/>
-              <a:t>12.07.2018</a:t>
+              <a:t>24.07.2018</a:t>
             </a:fld>
             <a:endParaRPr lang="ru-RU"/>
           </a:p>
@@ -2346,7 +2353,7 @@
           <a:p>
             <a:fld id="{C9D8727E-1658-4871-8506-A3F80A891CE4}" type="datetimeFigureOut">
               <a:rPr lang="ru-RU" smtClean="0"/>
-              <a:t>12.07.2018</a:t>
+              <a:t>24.07.2018</a:t>
             </a:fld>
             <a:endParaRPr lang="ru-RU"/>
           </a:p>
@@ -2559,7 +2566,7 @@
           <a:p>
             <a:fld id="{C9D8727E-1658-4871-8506-A3F80A891CE4}" type="datetimeFigureOut">
               <a:rPr lang="ru-RU" smtClean="0"/>
-              <a:t>12.07.2018</a:t>
+              <a:t>24.07.2018</a:t>
             </a:fld>
             <a:endParaRPr lang="ru-RU"/>
           </a:p>
@@ -3157,6 +3164,366 @@
 </p:sld>
 </file>
 
+<file path=ppt/slides/slide2.xml><?xml version="1.0" encoding="utf-8"?>
+<p:sld xmlns:a="http://schemas.openxmlformats.org/drawingml/2006/main" xmlns:r="http://schemas.openxmlformats.org/officeDocument/2006/relationships" xmlns:p="http://schemas.openxmlformats.org/presentationml/2006/main">
+  <p:cSld>
+    <p:spTree>
+      <p:nvGrpSpPr>
+        <p:cNvPr id="1" name=""/>
+        <p:cNvGrpSpPr/>
+        <p:nvPr/>
+      </p:nvGrpSpPr>
+      <p:grpSpPr>
+        <a:xfrm>
+          <a:off x="0" y="0"/>
+          <a:ext cx="0" cy="0"/>
+          <a:chOff x="0" y="0"/>
+          <a:chExt cx="0" cy="0"/>
+        </a:xfrm>
+      </p:grpSpPr>
+      <p:pic>
+        <p:nvPicPr>
+          <p:cNvPr id="6" name="Рисунок 5"/>
+          <p:cNvPicPr>
+            <a:picLocks noChangeAspect="1"/>
+          </p:cNvPicPr>
+          <p:nvPr/>
+        </p:nvPicPr>
+        <p:blipFill>
+          <a:blip r:embed="rId2" cstate="print">
+            <a:extLst>
+              <a:ext uri="{28A0092B-C50C-407E-A947-70E740481C1C}">
+                <a14:useLocalDpi xmlns:a14="http://schemas.microsoft.com/office/drawing/2010/main" val="0"/>
+              </a:ext>
+            </a:extLst>
+          </a:blip>
+          <a:stretch>
+            <a:fillRect/>
+          </a:stretch>
+        </p:blipFill>
+        <p:spPr>
+          <a:xfrm>
+            <a:off x="355852" y="198118"/>
+            <a:ext cx="3979222" cy="2659381"/>
+          </a:xfrm>
+          <a:prstGeom prst="rect">
+            <a:avLst/>
+          </a:prstGeom>
+        </p:spPr>
+      </p:pic>
+      <p:pic>
+        <p:nvPicPr>
+          <p:cNvPr id="7" name="Рисунок 6"/>
+          <p:cNvPicPr>
+            <a:picLocks noChangeAspect="1"/>
+          </p:cNvPicPr>
+          <p:nvPr/>
+        </p:nvPicPr>
+        <p:blipFill>
+          <a:blip r:embed="rId2" cstate="print">
+            <a:extLst>
+              <a:ext uri="{28A0092B-C50C-407E-A947-70E740481C1C}">
+                <a14:useLocalDpi xmlns:a14="http://schemas.microsoft.com/office/drawing/2010/main" val="0"/>
+              </a:ext>
+            </a:extLst>
+          </a:blip>
+          <a:stretch>
+            <a:fillRect/>
+          </a:stretch>
+        </p:blipFill>
+        <p:spPr>
+          <a:xfrm>
+            <a:off x="355852" y="3541393"/>
+            <a:ext cx="3979222" cy="2659381"/>
+          </a:xfrm>
+          <a:prstGeom prst="rect">
+            <a:avLst/>
+          </a:prstGeom>
+        </p:spPr>
+      </p:pic>
+      <p:pic>
+        <p:nvPicPr>
+          <p:cNvPr id="8" name="Рисунок 7"/>
+          <p:cNvPicPr>
+            <a:picLocks noChangeAspect="1"/>
+          </p:cNvPicPr>
+          <p:nvPr/>
+        </p:nvPicPr>
+        <p:blipFill>
+          <a:blip r:embed="rId3" cstate="print">
+            <a:extLst>
+              <a:ext uri="{28A0092B-C50C-407E-A947-70E740481C1C}">
+                <a14:useLocalDpi xmlns:a14="http://schemas.microsoft.com/office/drawing/2010/main" val="0"/>
+              </a:ext>
+            </a:extLst>
+          </a:blip>
+          <a:stretch>
+            <a:fillRect/>
+          </a:stretch>
+        </p:blipFill>
+        <p:spPr>
+          <a:xfrm>
+            <a:off x="5038725" y="123824"/>
+            <a:ext cx="3076575" cy="3076575"/>
+          </a:xfrm>
+          <a:prstGeom prst="rect">
+            <a:avLst/>
+          </a:prstGeom>
+        </p:spPr>
+      </p:pic>
+      <p:pic>
+        <p:nvPicPr>
+          <p:cNvPr id="10" name="Рисунок 9"/>
+          <p:cNvPicPr>
+            <a:picLocks noChangeAspect="1"/>
+          </p:cNvPicPr>
+          <p:nvPr/>
+        </p:nvPicPr>
+        <p:blipFill>
+          <a:blip r:embed="rId3" cstate="print">
+            <a:extLst>
+              <a:ext uri="{28A0092B-C50C-407E-A947-70E740481C1C}">
+                <a14:useLocalDpi xmlns:a14="http://schemas.microsoft.com/office/drawing/2010/main" val="0"/>
+              </a:ext>
+            </a:extLst>
+          </a:blip>
+          <a:stretch>
+            <a:fillRect/>
+          </a:stretch>
+        </p:blipFill>
+        <p:spPr>
+          <a:xfrm>
+            <a:off x="5038725" y="3541393"/>
+            <a:ext cx="3076575" cy="3076575"/>
+          </a:xfrm>
+          <a:prstGeom prst="rect">
+            <a:avLst/>
+          </a:prstGeom>
+        </p:spPr>
+      </p:pic>
+      <p:pic>
+        <p:nvPicPr>
+          <p:cNvPr id="11" name="Рисунок 10"/>
+          <p:cNvPicPr>
+            <a:picLocks noChangeAspect="1"/>
+          </p:cNvPicPr>
+          <p:nvPr/>
+        </p:nvPicPr>
+        <p:blipFill>
+          <a:blip r:embed="rId3" cstate="print">
+            <a:extLst>
+              <a:ext uri="{28A0092B-C50C-407E-A947-70E740481C1C}">
+                <a14:useLocalDpi xmlns:a14="http://schemas.microsoft.com/office/drawing/2010/main" val="0"/>
+              </a:ext>
+            </a:extLst>
+          </a:blip>
+          <a:stretch>
+            <a:fillRect/>
+          </a:stretch>
+        </p:blipFill>
+        <p:spPr>
+          <a:xfrm>
+            <a:off x="8524875" y="3541393"/>
+            <a:ext cx="3076575" cy="3076575"/>
+          </a:xfrm>
+          <a:prstGeom prst="rect">
+            <a:avLst/>
+          </a:prstGeom>
+        </p:spPr>
+      </p:pic>
+    </p:spTree>
+    <p:extLst>
+      <p:ext uri="{BB962C8B-B14F-4D97-AF65-F5344CB8AC3E}">
+        <p14:creationId xmlns:p14="http://schemas.microsoft.com/office/powerpoint/2010/main" val="2583793008"/>
+      </p:ext>
+    </p:extLst>
+  </p:cSld>
+  <p:clrMapOvr>
+    <a:masterClrMapping/>
+  </p:clrMapOvr>
+</p:sld>
+</file>
+
+<file path=ppt/slides/slide3.xml><?xml version="1.0" encoding="utf-8"?>
+<p:sld xmlns:a="http://schemas.openxmlformats.org/drawingml/2006/main" xmlns:r="http://schemas.openxmlformats.org/officeDocument/2006/relationships" xmlns:p="http://schemas.openxmlformats.org/presentationml/2006/main">
+  <p:cSld>
+    <p:spTree>
+      <p:nvGrpSpPr>
+        <p:cNvPr id="1" name=""/>
+        <p:cNvGrpSpPr/>
+        <p:nvPr/>
+      </p:nvGrpSpPr>
+      <p:grpSpPr>
+        <a:xfrm>
+          <a:off x="0" y="0"/>
+          <a:ext cx="0" cy="0"/>
+          <a:chOff x="0" y="0"/>
+          <a:chExt cx="0" cy="0"/>
+        </a:xfrm>
+      </p:grpSpPr>
+      <p:pic>
+        <p:nvPicPr>
+          <p:cNvPr id="7" name="Рисунок 6"/>
+          <p:cNvPicPr>
+            <a:picLocks noChangeAspect="1"/>
+          </p:cNvPicPr>
+          <p:nvPr/>
+        </p:nvPicPr>
+        <p:blipFill>
+          <a:blip r:embed="rId2" cstate="print">
+            <a:extLst>
+              <a:ext uri="{28A0092B-C50C-407E-A947-70E740481C1C}">
+                <a14:useLocalDpi xmlns:a14="http://schemas.microsoft.com/office/drawing/2010/main" val="0"/>
+              </a:ext>
+            </a:extLst>
+          </a:blip>
+          <a:stretch>
+            <a:fillRect/>
+          </a:stretch>
+        </p:blipFill>
+        <p:spPr>
+          <a:xfrm>
+            <a:off x="355852" y="3541393"/>
+            <a:ext cx="3979222" cy="2659381"/>
+          </a:xfrm>
+          <a:prstGeom prst="rect">
+            <a:avLst/>
+          </a:prstGeom>
+        </p:spPr>
+      </p:pic>
+      <p:pic>
+        <p:nvPicPr>
+          <p:cNvPr id="8" name="Рисунок 7"/>
+          <p:cNvPicPr>
+            <a:picLocks noChangeAspect="1"/>
+          </p:cNvPicPr>
+          <p:nvPr/>
+        </p:nvPicPr>
+        <p:blipFill>
+          <a:blip r:embed="rId3" cstate="print">
+            <a:extLst>
+              <a:ext uri="{28A0092B-C50C-407E-A947-70E740481C1C}">
+                <a14:useLocalDpi xmlns:a14="http://schemas.microsoft.com/office/drawing/2010/main" val="0"/>
+              </a:ext>
+            </a:extLst>
+          </a:blip>
+          <a:stretch>
+            <a:fillRect/>
+          </a:stretch>
+        </p:blipFill>
+        <p:spPr>
+          <a:xfrm>
+            <a:off x="5038725" y="123824"/>
+            <a:ext cx="3076575" cy="3076575"/>
+          </a:xfrm>
+          <a:prstGeom prst="rect">
+            <a:avLst/>
+          </a:prstGeom>
+        </p:spPr>
+      </p:pic>
+      <p:pic>
+        <p:nvPicPr>
+          <p:cNvPr id="9" name="Рисунок 8"/>
+          <p:cNvPicPr>
+            <a:picLocks noChangeAspect="1"/>
+          </p:cNvPicPr>
+          <p:nvPr/>
+        </p:nvPicPr>
+        <p:blipFill>
+          <a:blip r:embed="rId3" cstate="print">
+            <a:extLst>
+              <a:ext uri="{28A0092B-C50C-407E-A947-70E740481C1C}">
+                <a14:useLocalDpi xmlns:a14="http://schemas.microsoft.com/office/drawing/2010/main" val="0"/>
+              </a:ext>
+            </a:extLst>
+          </a:blip>
+          <a:stretch>
+            <a:fillRect/>
+          </a:stretch>
+        </p:blipFill>
+        <p:spPr>
+          <a:xfrm>
+            <a:off x="8524875" y="123823"/>
+            <a:ext cx="3076575" cy="3076575"/>
+          </a:xfrm>
+          <a:prstGeom prst="rect">
+            <a:avLst/>
+          </a:prstGeom>
+        </p:spPr>
+      </p:pic>
+      <p:pic>
+        <p:nvPicPr>
+          <p:cNvPr id="10" name="Рисунок 9"/>
+          <p:cNvPicPr>
+            <a:picLocks noChangeAspect="1"/>
+          </p:cNvPicPr>
+          <p:nvPr/>
+        </p:nvPicPr>
+        <p:blipFill>
+          <a:blip r:embed="rId3" cstate="print">
+            <a:extLst>
+              <a:ext uri="{28A0092B-C50C-407E-A947-70E740481C1C}">
+                <a14:useLocalDpi xmlns:a14="http://schemas.microsoft.com/office/drawing/2010/main" val="0"/>
+              </a:ext>
+            </a:extLst>
+          </a:blip>
+          <a:stretch>
+            <a:fillRect/>
+          </a:stretch>
+        </p:blipFill>
+        <p:spPr>
+          <a:xfrm>
+            <a:off x="5038725" y="3541393"/>
+            <a:ext cx="3076575" cy="3076575"/>
+          </a:xfrm>
+          <a:prstGeom prst="rect">
+            <a:avLst/>
+          </a:prstGeom>
+        </p:spPr>
+      </p:pic>
+      <p:pic>
+        <p:nvPicPr>
+          <p:cNvPr id="11" name="Рисунок 10"/>
+          <p:cNvPicPr>
+            <a:picLocks noChangeAspect="1"/>
+          </p:cNvPicPr>
+          <p:nvPr/>
+        </p:nvPicPr>
+        <p:blipFill>
+          <a:blip r:embed="rId3" cstate="print">
+            <a:extLst>
+              <a:ext uri="{28A0092B-C50C-407E-A947-70E740481C1C}">
+                <a14:useLocalDpi xmlns:a14="http://schemas.microsoft.com/office/drawing/2010/main" val="0"/>
+              </a:ext>
+            </a:extLst>
+          </a:blip>
+          <a:stretch>
+            <a:fillRect/>
+          </a:stretch>
+        </p:blipFill>
+        <p:spPr>
+          <a:xfrm>
+            <a:off x="8524875" y="3541393"/>
+            <a:ext cx="3076575" cy="3076575"/>
+          </a:xfrm>
+          <a:prstGeom prst="rect">
+            <a:avLst/>
+          </a:prstGeom>
+        </p:spPr>
+      </p:pic>
+    </p:spTree>
+    <p:extLst>
+      <p:ext uri="{BB962C8B-B14F-4D97-AF65-F5344CB8AC3E}">
+        <p14:creationId xmlns:p14="http://schemas.microsoft.com/office/powerpoint/2010/main" val="3316067296"/>
+      </p:ext>
+    </p:extLst>
+  </p:cSld>
+  <p:clrMapOvr>
+    <a:masterClrMapping/>
+  </p:clrMapOvr>
+</p:sld>
+</file>
+
 <file path=ppt/theme/theme1.xml><?xml version="1.0" encoding="utf-8"?>
 <a:theme xmlns:a="http://schemas.openxmlformats.org/drawingml/2006/main" name="Тема Office">
   <a:themeElements>
